--- a/Architecture_Diagram.pptx
+++ b/Architecture_Diagram.pptx
@@ -105,6 +105,11 @@
       </a:defRPr>
     </a:lvl9pPr>
   </p:defaultTextStyle>
+  <p:extLst>
+    <p:ext uri="{EFAFB233-063F-42B5-8137-9DF3F51BA10A}">
+      <p15:sldGuideLst xmlns:p15="http://schemas.microsoft.com/office/powerpoint/2012/main"/>
+    </p:ext>
+  </p:extLst>
 </p:presentation>
 </file>
 
@@ -3365,12 +3370,11 @@
           <a:p>
             <a:pPr algn="ctr"/>
             <a:r>
-              <a:rPr lang="en-US" altLang="ko-KR" dirty="0"/>
-              <a:t>rest </a:t>
-            </a:r>
-            <a:r>
-              <a:rPr lang="en-US" altLang="ko-KR" dirty="0" err="1"/>
-              <a:t>api</a:t>
+              <a:rPr lang="en-US" altLang="ko-KR" sz="1800" u="none" strike="noStrike" dirty="0">
+                <a:effectLst/>
+                <a:latin typeface="+mn-lt"/>
+              </a:rPr>
+              <a:t>Producer</a:t>
             </a:r>
             <a:endParaRPr lang="ko-KR" altLang="en-US" dirty="0"/>
           </a:p>
@@ -3469,15 +3473,11 @@
           <a:p>
             <a:pPr algn="ctr"/>
             <a:r>
-              <a:rPr lang="en-US" altLang="ko-KR" dirty="0"/>
-              <a:t>Spark Streaming</a:t>
-            </a:r>
-            <a:br>
-              <a:rPr lang="en-US" altLang="ko-KR" dirty="0"/>
-            </a:br>
-            <a:r>
-              <a:rPr lang="en-US" altLang="ko-KR" dirty="0"/>
-              <a:t>Application</a:t>
+              <a:rPr lang="en-US" altLang="ko-KR" sz="1800" u="none" strike="noStrike" dirty="0">
+                <a:effectLst/>
+                <a:latin typeface="+mn-lt"/>
+              </a:rPr>
+              <a:t>Consumer</a:t>
             </a:r>
             <a:endParaRPr lang="ko-KR" altLang="en-US" dirty="0"/>
           </a:p>
